--- a/ppt/2. java基础.pptx
+++ b/ppt/2. java基础.pptx
@@ -240,7 +240,7 @@
           <a:p>
             <a:fld id="{66C3546E-20F6-7649-A9A4-4E4A245D3E82}" type="datetimeFigureOut">
               <a:rPr kumimoji="1" lang="zh-CN" altLang="en-US" smtClean="0"/>
-              <a:t>2020/2/23</a:t>
+              <a:t>2020/2/24</a:t>
             </a:fld>
             <a:endParaRPr kumimoji="1" lang="zh-CN" altLang="en-US"/>
           </a:p>
@@ -1522,52 +1522,7 @@
               <a:tabLst/>
               <a:defRPr/>
             </a:pPr>
-            <a:r>
-              <a:rPr lang="zh-CN" altLang="en-US" dirty="0">
-                <a:hlinkClick r:id="rId3"/>
-              </a:rPr>
-              <a:t>如何从机器语言变成物理电平信号</a:t>
-            </a:r>
-          </a:p>
-          <a:p>
-            <a:pPr marL="0" marR="0" lvl="0" indent="0" algn="l" defTabSz="914400" rtl="0" eaLnBrk="1" fontAlgn="auto" latinLnBrk="0" hangingPunct="1">
-              <a:lnSpc>
-                <a:spcPct val="100000"/>
-              </a:lnSpc>
-              <a:spcBef>
-                <a:spcPts val="0"/>
-              </a:spcBef>
-              <a:spcAft>
-                <a:spcPts val="0"/>
-              </a:spcAft>
-              <a:buClrTx/>
-              <a:buSzTx/>
-              <a:buFontTx/>
-              <a:buNone/>
-              <a:tabLst/>
-              <a:defRPr/>
-            </a:pPr>
-            <a:endParaRPr lang="en-US" altLang="zh-CN" dirty="0">
-              <a:hlinkClick r:id="rId3"/>
-            </a:endParaRPr>
-          </a:p>
-          <a:p>
-            <a:r>
-              <a:rPr lang="en-US" altLang="zh-CN" dirty="0">
-                <a:hlinkClick r:id="rId3"/>
-              </a:rPr>
-              <a:t>https://www.zhihu.com/question/38339241</a:t>
-            </a:r>
-            <a:endParaRPr lang="en-US" altLang="zh-CN" dirty="0"/>
-          </a:p>
-          <a:p>
-            <a:endParaRPr kumimoji="1" lang="en-US" altLang="zh-CN" dirty="0"/>
-          </a:p>
-          <a:p>
-            <a:r>
-              <a:rPr kumimoji="1" lang="zh-CN" altLang="en-US" dirty="0"/>
-              <a:t>也就是 软件最重要硬件实现，而硬件都是电气电路，只认识，高，低电平</a:t>
-            </a:r>
+            <a:endParaRPr kumimoji="1" lang="zh-CN" altLang="en-US" dirty="0"/>
           </a:p>
         </p:txBody>
       </p:sp>
@@ -2169,7 +2124,7 @@
           <a:p>
             <a:fld id="{1C49BB65-7B3F-4D4E-A397-BBFD82890A5A}" type="datetimeFigureOut">
               <a:rPr kumimoji="1" lang="zh-CN" altLang="en-US" smtClean="0"/>
-              <a:t>2020/2/23</a:t>
+              <a:t>2020/2/24</a:t>
             </a:fld>
             <a:endParaRPr kumimoji="1" lang="zh-CN" altLang="en-US"/>
           </a:p>
@@ -2367,7 +2322,7 @@
           <a:p>
             <a:fld id="{1C49BB65-7B3F-4D4E-A397-BBFD82890A5A}" type="datetimeFigureOut">
               <a:rPr kumimoji="1" lang="zh-CN" altLang="en-US" smtClean="0"/>
-              <a:t>2020/2/23</a:t>
+              <a:t>2020/2/24</a:t>
             </a:fld>
             <a:endParaRPr kumimoji="1" lang="zh-CN" altLang="en-US"/>
           </a:p>
@@ -2575,7 +2530,7 @@
           <a:p>
             <a:fld id="{1C49BB65-7B3F-4D4E-A397-BBFD82890A5A}" type="datetimeFigureOut">
               <a:rPr kumimoji="1" lang="zh-CN" altLang="en-US" smtClean="0"/>
-              <a:t>2020/2/23</a:t>
+              <a:t>2020/2/24</a:t>
             </a:fld>
             <a:endParaRPr kumimoji="1" lang="zh-CN" altLang="en-US"/>
           </a:p>
@@ -2773,7 +2728,7 @@
           <a:p>
             <a:fld id="{1C49BB65-7B3F-4D4E-A397-BBFD82890A5A}" type="datetimeFigureOut">
               <a:rPr kumimoji="1" lang="zh-CN" altLang="en-US" smtClean="0"/>
-              <a:t>2020/2/23</a:t>
+              <a:t>2020/2/24</a:t>
             </a:fld>
             <a:endParaRPr kumimoji="1" lang="zh-CN" altLang="en-US"/>
           </a:p>
@@ -3048,7 +3003,7 @@
           <a:p>
             <a:fld id="{1C49BB65-7B3F-4D4E-A397-BBFD82890A5A}" type="datetimeFigureOut">
               <a:rPr kumimoji="1" lang="zh-CN" altLang="en-US" smtClean="0"/>
-              <a:t>2020/2/23</a:t>
+              <a:t>2020/2/24</a:t>
             </a:fld>
             <a:endParaRPr kumimoji="1" lang="zh-CN" altLang="en-US"/>
           </a:p>
@@ -3313,7 +3268,7 @@
           <a:p>
             <a:fld id="{1C49BB65-7B3F-4D4E-A397-BBFD82890A5A}" type="datetimeFigureOut">
               <a:rPr kumimoji="1" lang="zh-CN" altLang="en-US" smtClean="0"/>
-              <a:t>2020/2/23</a:t>
+              <a:t>2020/2/24</a:t>
             </a:fld>
             <a:endParaRPr kumimoji="1" lang="zh-CN" altLang="en-US"/>
           </a:p>
@@ -3725,7 +3680,7 @@
           <a:p>
             <a:fld id="{1C49BB65-7B3F-4D4E-A397-BBFD82890A5A}" type="datetimeFigureOut">
               <a:rPr kumimoji="1" lang="zh-CN" altLang="en-US" smtClean="0"/>
-              <a:t>2020/2/23</a:t>
+              <a:t>2020/2/24</a:t>
             </a:fld>
             <a:endParaRPr kumimoji="1" lang="zh-CN" altLang="en-US"/>
           </a:p>
@@ -3866,7 +3821,7 @@
           <a:p>
             <a:fld id="{1C49BB65-7B3F-4D4E-A397-BBFD82890A5A}" type="datetimeFigureOut">
               <a:rPr kumimoji="1" lang="zh-CN" altLang="en-US" smtClean="0"/>
-              <a:t>2020/2/23</a:t>
+              <a:t>2020/2/24</a:t>
             </a:fld>
             <a:endParaRPr kumimoji="1" lang="zh-CN" altLang="en-US"/>
           </a:p>
@@ -4236,7 +4191,7 @@
           <a:p>
             <a:fld id="{1C49BB65-7B3F-4D4E-A397-BBFD82890A5A}" type="datetimeFigureOut">
               <a:rPr kumimoji="1" lang="zh-CN" altLang="en-US" smtClean="0"/>
-              <a:t>2020/2/23</a:t>
+              <a:t>2020/2/24</a:t>
             </a:fld>
             <a:endParaRPr kumimoji="1" lang="zh-CN" altLang="en-US"/>
           </a:p>
@@ -4524,7 +4479,7 @@
           <a:p>
             <a:fld id="{1C49BB65-7B3F-4D4E-A397-BBFD82890A5A}" type="datetimeFigureOut">
               <a:rPr kumimoji="1" lang="zh-CN" altLang="en-US" smtClean="0"/>
-              <a:t>2020/2/23</a:t>
+              <a:t>2020/2/24</a:t>
             </a:fld>
             <a:endParaRPr kumimoji="1" lang="zh-CN" altLang="en-US"/>
           </a:p>
@@ -4765,7 +4720,7 @@
           <a:p>
             <a:fld id="{1C49BB65-7B3F-4D4E-A397-BBFD82890A5A}" type="datetimeFigureOut">
               <a:rPr kumimoji="1" lang="zh-CN" altLang="en-US" smtClean="0"/>
-              <a:t>2020/2/23</a:t>
+              <a:t>2020/2/24</a:t>
             </a:fld>
             <a:endParaRPr kumimoji="1" lang="zh-CN" altLang="en-US"/>
           </a:p>
@@ -5820,7 +5775,7 @@
         <p:spPr>
           <a:xfrm>
             <a:off x="1080655" y="2576945"/>
-            <a:ext cx="10868890" cy="3108543"/>
+            <a:ext cx="10868890" cy="2677656"/>
           </a:xfrm>
           <a:prstGeom prst="rect">
             <a:avLst/>
@@ -5914,12 +5869,6 @@
           </a:p>
           <a:p>
             <a:endParaRPr lang="en-US" altLang="zh-CN" sz="2800" dirty="0"/>
-          </a:p>
-          <a:p>
-            <a:r>
-              <a:rPr lang="zh-CN" altLang="en-US" sz="2800" dirty="0"/>
-              <a:t> 代码举例</a:t>
-            </a:r>
           </a:p>
         </p:txBody>
       </p:sp>
@@ -5962,6 +5911,47 @@
                 <a:ea typeface="Microsoft YaHei" panose="020B0503020204020204" pitchFamily="34" charset="-122"/>
               </a:rPr>
               <a:t>定义</a:t>
+            </a:r>
+          </a:p>
+        </p:txBody>
+      </p:sp>
+      <p:sp>
+        <p:nvSpPr>
+          <p:cNvPr id="6" name="文本框 5">
+            <a:extLst>
+              <a:ext uri="{FF2B5EF4-FFF2-40B4-BE49-F238E27FC236}">
+                <a16:creationId xmlns:a16="http://schemas.microsoft.com/office/drawing/2014/main" id="{B9AB98A8-726B-C94B-BD49-E3C26E4AE579}"/>
+              </a:ext>
+            </a:extLst>
+          </p:cNvPr>
+          <p:cNvSpPr txBox="1"/>
+          <p:nvPr/>
+        </p:nvSpPr>
+        <p:spPr>
+          <a:xfrm>
+            <a:off x="1610042" y="5954233"/>
+            <a:ext cx="2345270" cy="523220"/>
+          </a:xfrm>
+          <a:prstGeom prst="rect">
+            <a:avLst/>
+          </a:prstGeom>
+          <a:solidFill>
+            <a:schemeClr val="accent2"/>
+          </a:solidFill>
+        </p:spPr>
+        <p:txBody>
+          <a:bodyPr wrap="square" rtlCol="0">
+            <a:spAutoFit/>
+          </a:bodyPr>
+          <a:lstStyle/>
+          <a:p>
+            <a:r>
+              <a:rPr kumimoji="1" lang="zh-CN" altLang="en-US" sz="2800" dirty="0">
+                <a:solidFill>
+                  <a:schemeClr val="bg1"/>
+                </a:solidFill>
+              </a:rPr>
+              <a:t>代码举例</a:t>
             </a:r>
           </a:p>
         </p:txBody>
@@ -6352,7 +6342,23 @@
             </a:r>
             <a:r>
               <a:rPr lang="en-US" altLang="zh-CN" sz="2800" dirty="0"/>
-              <a:t>2147483647</a:t>
+              <a:t>2147483647(</a:t>
+            </a:r>
+            <a:r>
+              <a:rPr lang="zh-CN" altLang="en-US" sz="2800" dirty="0"/>
+              <a:t> </a:t>
+            </a:r>
+            <a:r>
+              <a:rPr lang="en-US" altLang="zh-CN" sz="2800" dirty="0"/>
+              <a:t>2</a:t>
+            </a:r>
+            <a:r>
+              <a:rPr lang="en-US" altLang="zh-CN" sz="2800" baseline="30000" dirty="0"/>
+              <a:t>32</a:t>
+            </a:r>
+            <a:r>
+              <a:rPr lang="en-US" altLang="zh-CN" sz="2800" dirty="0"/>
+              <a:t>- 1)</a:t>
             </a:r>
             <a:r>
               <a:rPr lang="zh-CN" altLang="en-US" sz="2800" dirty="0"/>
@@ -7701,7 +7707,7 @@
         <p:spPr>
           <a:xfrm>
             <a:off x="1731818" y="1953491"/>
-            <a:ext cx="10460182" cy="3309494"/>
+            <a:ext cx="10460182" cy="3247812"/>
           </a:xfrm>
           <a:prstGeom prst="rect">
             <a:avLst/>
